--- a/ServerAnbieter.pptx
+++ b/ServerAnbieter.pptx
@@ -204,7 +204,7 @@
           <a:p>
             <a:fld id="{703E22D0-69DB-4AD2-BFDB-B6B0697DB30B}" type="datetimeFigureOut">
               <a:rPr lang="de-DE" smtClean="0"/>
-              <a:t>12.12.2022</a:t>
+              <a:t>13.12.2022</a:t>
             </a:fld>
             <a:endParaRPr lang="de-DE" dirty="0"/>
           </a:p>
@@ -369,7 +369,7 @@
           <a:p>
             <a:fld id="{92D0A2B6-884F-47F1-97D4-56FF4241B1BC}" type="datetimeFigureOut">
               <a:rPr lang="de-DE" smtClean="0"/>
-              <a:t>12.12.2022</a:t>
+              <a:t>13.12.2022</a:t>
             </a:fld>
             <a:endParaRPr lang="de-DE" dirty="0"/>
           </a:p>
@@ -1051,7 +1051,7 @@
             <a:pPr rtl="0"/>
             <a:fld id="{6A53FAFE-A8FF-49BF-8B95-C1A5C14FF84D}" type="datetime1">
               <a:rPr lang="de-DE" noProof="0" smtClean="0"/>
-              <a:t>12.12.2022</a:t>
+              <a:t>13.12.2022</a:t>
             </a:fld>
             <a:endParaRPr lang="de-DE" noProof="0" dirty="0"/>
           </a:p>
@@ -1243,7 +1243,7 @@
             <a:pPr rtl="0"/>
             <a:fld id="{A5DA952A-262B-4C09-82C5-587247F1B81B}" type="datetime1">
               <a:rPr lang="de-DE" noProof="0" smtClean="0"/>
-              <a:t>12.12.2022</a:t>
+              <a:t>13.12.2022</a:t>
             </a:fld>
             <a:endParaRPr lang="de-DE" noProof="0" dirty="0"/>
           </a:p>
@@ -1620,7 +1620,7 @@
             <a:pPr rtl="0"/>
             <a:fld id="{CF005D64-4B99-448C-A713-09FA5439052A}" type="datetime1">
               <a:rPr lang="de-DE" noProof="0" smtClean="0"/>
-              <a:t>12.12.2022</a:t>
+              <a:t>13.12.2022</a:t>
             </a:fld>
             <a:endParaRPr lang="de-DE" noProof="0" dirty="0"/>
           </a:p>
@@ -1879,7 +1879,7 @@
             <a:pPr rtl="0"/>
             <a:fld id="{6229FE05-7231-43BE-B847-3AFA4A19CBAA}" type="datetime1">
               <a:rPr lang="de-DE" noProof="0" smtClean="0"/>
-              <a:t>12.12.2022</a:t>
+              <a:t>13.12.2022</a:t>
             </a:fld>
             <a:endParaRPr lang="de-DE" noProof="0" dirty="0"/>
           </a:p>
@@ -2280,7 +2280,7 @@
             <a:pPr rtl="0"/>
             <a:fld id="{5B53D26F-6680-425F-97AB-0E8697BD65E2}" type="datetime1">
               <a:rPr lang="de-DE" noProof="0" smtClean="0"/>
-              <a:t>12.12.2022</a:t>
+              <a:t>13.12.2022</a:t>
             </a:fld>
             <a:endParaRPr lang="de-DE" noProof="0" dirty="0"/>
           </a:p>
@@ -2420,7 +2420,7 @@
             <a:pPr rtl="0"/>
             <a:fld id="{5DA3ECD2-F655-4F1D-98E0-52599BF52BCA}" type="datetime1">
               <a:rPr lang="de-DE" noProof="0" smtClean="0"/>
-              <a:t>12.12.2022</a:t>
+              <a:t>13.12.2022</a:t>
             </a:fld>
             <a:endParaRPr lang="de-DE" noProof="0" dirty="0"/>
           </a:p>
@@ -2580,7 +2580,7 @@
             <a:pPr rtl="0"/>
             <a:fld id="{B48DB74F-2903-429A-9E94-EB396A414E9D}" type="datetime1">
               <a:rPr lang="de-DE" noProof="0" smtClean="0"/>
-              <a:t>12.12.2022</a:t>
+              <a:t>13.12.2022</a:t>
             </a:fld>
             <a:endParaRPr lang="de-DE" noProof="0" dirty="0"/>
           </a:p>
@@ -2913,7 +2913,7 @@
             <a:pPr rtl="0"/>
             <a:fld id="{CFA574F0-4503-424B-A28D-924B84ECEA2A}" type="datetime1">
               <a:rPr lang="de-DE" noProof="0" smtClean="0"/>
-              <a:t>12.12.2022</a:t>
+              <a:t>13.12.2022</a:t>
             </a:fld>
             <a:endParaRPr lang="de-DE" noProof="0" dirty="0"/>
           </a:p>
@@ -3268,7 +3268,7 @@
             <a:pPr rtl="0"/>
             <a:fld id="{93B6CE1F-19FD-43AD-A3FC-53284371392B}" type="datetime1">
               <a:rPr lang="de-DE" noProof="0" smtClean="0"/>
-              <a:t>12.12.2022</a:t>
+              <a:t>13.12.2022</a:t>
             </a:fld>
             <a:endParaRPr lang="de-DE" noProof="0" dirty="0"/>
           </a:p>
@@ -3530,7 +3530,7 @@
             <a:pPr rtl="0"/>
             <a:fld id="{5F6FD458-B8F2-4748-BB72-410F5C7102C5}" type="datetime1">
               <a:rPr lang="de-DE" noProof="0" smtClean="0"/>
-              <a:t>12.12.2022</a:t>
+              <a:t>13.12.2022</a:t>
             </a:fld>
             <a:endParaRPr lang="de-DE" noProof="0" dirty="0"/>
           </a:p>
@@ -4316,88 +4316,7 @@
                   <a:schemeClr val="tx1"/>
                 </a:solidFill>
               </a:rPr>
-              <a:t>Titel </a:t>
-            </a:r>
-            <a:r>
-              <a:rPr lang="de-DE" sz="4400" dirty="0" err="1">
-                <a:solidFill>
-                  <a:schemeClr val="tx1"/>
-                </a:solidFill>
-              </a:rPr>
-              <a:t>Lorem</a:t>
-            </a:r>
-            <a:r>
-              <a:rPr lang="de-DE" sz="4400" dirty="0">
-                <a:solidFill>
-                  <a:schemeClr val="tx1"/>
-                </a:solidFill>
-              </a:rPr>
-              <a:t> </a:t>
-            </a:r>
-            <a:r>
-              <a:rPr lang="de-DE" sz="4400" dirty="0" err="1">
-                <a:solidFill>
-                  <a:schemeClr val="tx1"/>
-                </a:solidFill>
-              </a:rPr>
-              <a:t>Ipsum</a:t>
-            </a:r>
-            <a:endParaRPr lang="de-DE" sz="4400" dirty="0">
-              <a:solidFill>
-                <a:schemeClr val="tx1"/>
-              </a:solidFill>
-            </a:endParaRPr>
-          </a:p>
-        </p:txBody>
-      </p:sp>
-      <p:sp>
-        <p:nvSpPr>
-          <p:cNvPr id="3" name="Untertitel 2">
-            <a:extLst>
-              <a:ext uri="{FF2B5EF4-FFF2-40B4-BE49-F238E27FC236}">
-                <a16:creationId xmlns:a16="http://schemas.microsoft.com/office/drawing/2014/main" id="{255E1F2F-E259-4EA8-9FFD-3A10AF541859}"/>
-              </a:ext>
-            </a:extLst>
-          </p:cNvPr>
-          <p:cNvSpPr>
-            <a:spLocks noGrp="1"/>
-          </p:cNvSpPr>
-          <p:nvPr>
-            <p:ph type="subTitle" idx="1"/>
-          </p:nvPr>
-        </p:nvSpPr>
-        <p:spPr>
-          <a:xfrm>
-            <a:off x="8127750" y="4608576"/>
-            <a:ext cx="3205640" cy="774186"/>
-          </a:xfrm>
-        </p:spPr>
-        <p:txBody>
-          <a:bodyPr rtlCol="0" anchor="t">
-            <a:normAutofit/>
-          </a:bodyPr>
-          <a:lstStyle/>
-          <a:p>
-            <a:pPr rtl="0">
-              <a:lnSpc>
-                <a:spcPct val="100000"/>
-              </a:lnSpc>
-            </a:pPr>
-            <a:r>
-              <a:rPr lang="de-DE" sz="1600" dirty="0" err="1"/>
-              <a:t>Dolor</a:t>
-            </a:r>
-            <a:r>
-              <a:rPr lang="de-DE" sz="1600" dirty="0"/>
-              <a:t> </a:t>
-            </a:r>
-            <a:r>
-              <a:rPr lang="de-DE" sz="1600" dirty="0" err="1"/>
-              <a:t>Sit</a:t>
-            </a:r>
-            <a:r>
-              <a:rPr lang="de-DE" sz="1600" dirty="0"/>
-              <a:t> Amet</a:t>
+              <a:t>Anbieter Vergleich</a:t>
             </a:r>
           </a:p>
         </p:txBody>
@@ -4600,14 +4519,14 @@
             <p:ph idx="1"/>
             <p:extLst>
               <p:ext uri="{D42A27DB-BD31-4B8C-83A1-F6EECF244321}">
-                <p14:modId xmlns:p14="http://schemas.microsoft.com/office/powerpoint/2010/main" val="168491715"/>
+                <p14:modId xmlns:p14="http://schemas.microsoft.com/office/powerpoint/2010/main" val="2907684612"/>
               </p:ext>
             </p:extLst>
           </p:nvPr>
         </p:nvGraphicFramePr>
         <p:xfrm>
           <a:off x="1096963" y="2108200"/>
-          <a:ext cx="10058400" cy="3835401"/>
+          <a:ext cx="9976612" cy="3835401"/>
         </p:xfrm>
         <a:graphic>
           <a:graphicData uri="http://schemas.openxmlformats.org/drawingml/2006/table">
@@ -4616,7 +4535,7 @@
                 <a:tableStyleId>{5C22544A-7EE6-4342-B048-85BDC9FD1C3A}</a:tableStyleId>
               </a:tblPr>
               <a:tblGrid>
-                <a:gridCol w="5029200">
+                <a:gridCol w="4947412">
                   <a:extLst>
                     <a:ext uri="{9D8B030D-6E8A-4147-A177-3AD203B41FA5}">
                       <a16:colId xmlns:a16="http://schemas.microsoft.com/office/drawing/2014/main" val="3476725007"/>
@@ -4682,16 +4601,8 @@
                     <a:p>
                       <a:r>
                         <a:rPr lang="de-AT" sz="2000" dirty="0"/>
-                        <a:t>Kosten: 2€</a:t>
+                        <a:t>Kosten: 2€/Monat</a:t>
                       </a:r>
-                      <a:r>
-                        <a:rPr lang="de-AT" sz="2000"/>
-                        <a:t>/Monat</a:t>
-                      </a:r>
-                      <a:endParaRPr lang="de-AT" sz="2000" dirty="0"/>
-                    </a:p>
-                    <a:p>
-                      <a:endParaRPr lang="de-AT" sz="2000" dirty="0"/>
                     </a:p>
                   </a:txBody>
                   <a:tcPr/>
@@ -4736,7 +4647,7 @@
                     <a:p>
                       <a:r>
                         <a:rPr lang="de-AT" dirty="0"/>
-                        <a:t>Leistung:1 CPU-Kern, 2GB RAM, Speicher 20GB</a:t>
+                        <a:t>Leistung: 1 CPU-Kern, 2GB RAM, Speicher 20GB</a:t>
                       </a:r>
                     </a:p>
                   </a:txBody>
@@ -5657,6 +5568,15 @@
 </file>
 
 <file path=customXml/item1.xml><?xml version="1.0" encoding="utf-8"?>
+<?mso-contentType ?>
+<FormTemplates xmlns="http://schemas.microsoft.com/sharepoint/v3/contenttype/forms">
+  <Display>DocumentLibraryForm</Display>
+  <Edit>DocumentLibraryForm</Edit>
+  <New>DocumentLibraryForm</New>
+</FormTemplates>
+</file>
+
+<file path=customXml/item2.xml><?xml version="1.0" encoding="utf-8"?>
 <ct:contentTypeSchema xmlns:ct="http://schemas.microsoft.com/office/2006/metadata/contentType" xmlns:ma="http://schemas.microsoft.com/office/2006/metadata/properties/metaAttributes" ct:_="" ma:_="" ma:contentTypeName="Document" ma:contentTypeID="0x01010079F111ED35F8CC479449609E8A0923A6" ma:contentTypeVersion="12" ma:contentTypeDescription="Create a new document." ma:contentTypeScope="" ma:versionID="a410dd7f93c95333ffa1b60ed6adedd1">
   <xsd:schema xmlns:xsd="http://www.w3.org/2001/XMLSchema" xmlns:xs="http://www.w3.org/2001/XMLSchema" xmlns:p="http://schemas.microsoft.com/office/2006/metadata/properties" xmlns:ns2="71af3243-3dd4-4a8d-8c0d-dd76da1f02a5" xmlns:ns3="16c05727-aa75-4e4a-9b5f-8a80a1165891" targetNamespace="http://schemas.microsoft.com/office/2006/metadata/properties" ma:root="true" ma:fieldsID="a936d9baba76aa3866493feff160faab" ns2:_="" ns3:_="">
     <xsd:import namespace="71af3243-3dd4-4a8d-8c0d-dd76da1f02a5"/>
@@ -5877,15 +5797,6 @@
 </ct:contentTypeSchema>
 </file>
 
-<file path=customXml/item2.xml><?xml version="1.0" encoding="utf-8"?>
-<?mso-contentType ?>
-<FormTemplates xmlns="http://schemas.microsoft.com/sharepoint/v3/contenttype/forms">
-  <Display>DocumentLibraryForm</Display>
-  <Edit>DocumentLibraryForm</Edit>
-  <New>DocumentLibraryForm</New>
-</FormTemplates>
-</file>
-
 <file path=customXml/item3.xml><?xml version="1.0" encoding="utf-8"?>
 <p:properties xmlns:p="http://schemas.microsoft.com/office/2006/metadata/properties" xmlns:xsi="http://www.w3.org/2001/XMLSchema-instance" xmlns:pc="http://schemas.microsoft.com/office/infopath/2007/PartnerControls">
   <documentManagement>
@@ -5896,6 +5807,14 @@
 </file>
 
 <file path=customXml/itemProps1.xml><?xml version="1.0" encoding="utf-8"?>
+<ds:datastoreItem xmlns:ds="http://schemas.openxmlformats.org/officeDocument/2006/customXml" ds:itemID="{AA3F7EDC-E5B4-4BBC-9D2A-CBE6D46C37AD}">
+  <ds:schemaRefs>
+    <ds:schemaRef ds:uri="http://schemas.microsoft.com/sharepoint/v3/contenttype/forms"/>
+  </ds:schemaRefs>
+</ds:datastoreItem>
+</file>
+
+<file path=customXml/itemProps2.xml><?xml version="1.0" encoding="utf-8"?>
 <ds:datastoreItem xmlns:ds="http://schemas.openxmlformats.org/officeDocument/2006/customXml" ds:itemID="{93932EF5-314F-409E-8020-FEE5FA0795B9}">
   <ds:schemaRefs>
     <ds:schemaRef ds:uri="http://schemas.microsoft.com/office/2006/metadata/contentType"/>
@@ -5914,14 +5833,6 @@
 </ds:datastoreItem>
 </file>
 
-<file path=customXml/itemProps2.xml><?xml version="1.0" encoding="utf-8"?>
-<ds:datastoreItem xmlns:ds="http://schemas.openxmlformats.org/officeDocument/2006/customXml" ds:itemID="{AA3F7EDC-E5B4-4BBC-9D2A-CBE6D46C37AD}">
-  <ds:schemaRefs>
-    <ds:schemaRef ds:uri="http://schemas.microsoft.com/sharepoint/v3/contenttype/forms"/>
-  </ds:schemaRefs>
-</ds:datastoreItem>
-</file>
-
 <file path=customXml/itemProps3.xml><?xml version="1.0" encoding="utf-8"?>
 <ds:datastoreItem xmlns:ds="http://schemas.openxmlformats.org/officeDocument/2006/customXml" ds:itemID="{A03EEFF0-FB57-4CB4-8BFC-DF397689E2ED}">
   <ds:schemaRefs>
